--- a/wiki/Min 人 Made_Server.pptx
+++ b/wiki/Min 人 Made_Server.pptx
@@ -204,7 +204,8 @@
           <a:p>
             <a:fld id="{4616FEFF-9561-4A75-951E-4E1845C8D0E0}" type="datetimeFigureOut">
               <a:rPr lang="ko-KR" altLang="en-US" smtClean="0"/>
-              <a:t>2012-06-30</a:t>
+              <a:pPr/>
+              <a:t>2012-07-04</a:t>
             </a:fld>
             <a:endParaRPr lang="ko-KR" altLang="en-US"/>
           </a:p>
@@ -365,6 +366,7 @@
           <a:p>
             <a:fld id="{C740C78A-D000-493D-8ABA-E31EA9012858}" type="slidenum">
               <a:rPr lang="ko-KR" altLang="en-US" smtClean="0"/>
+              <a:pPr/>
               <a:t>‹#›</a:t>
             </a:fld>
             <a:endParaRPr lang="ko-KR" altLang="en-US"/>
@@ -536,6 +538,7 @@
           <a:p>
             <a:fld id="{C740C78A-D000-493D-8ABA-E31EA9012858}" type="slidenum">
               <a:rPr lang="ko-KR" altLang="en-US" smtClean="0"/>
+              <a:pPr/>
               <a:t>4</a:t>
             </a:fld>
             <a:endParaRPr lang="ko-KR" altLang="en-US"/>
@@ -617,6 +620,7 @@
           <a:p>
             <a:fld id="{C740C78A-D000-493D-8ABA-E31EA9012858}" type="slidenum">
               <a:rPr lang="ko-KR" altLang="en-US" smtClean="0"/>
+              <a:pPr/>
               <a:t>5</a:t>
             </a:fld>
             <a:endParaRPr lang="ko-KR" altLang="en-US"/>
@@ -698,6 +702,7 @@
           <a:p>
             <a:fld id="{C740C78A-D000-493D-8ABA-E31EA9012858}" type="slidenum">
               <a:rPr lang="ko-KR" altLang="en-US" smtClean="0"/>
+              <a:pPr/>
               <a:t>6</a:t>
             </a:fld>
             <a:endParaRPr lang="ko-KR" altLang="en-US"/>
@@ -779,6 +784,7 @@
           <a:p>
             <a:fld id="{C740C78A-D000-493D-8ABA-E31EA9012858}" type="slidenum">
               <a:rPr lang="ko-KR" altLang="en-US" smtClean="0"/>
+              <a:pPr/>
               <a:t>8</a:t>
             </a:fld>
             <a:endParaRPr lang="ko-KR" altLang="en-US"/>
@@ -860,6 +866,7 @@
           <a:p>
             <a:fld id="{C740C78A-D000-493D-8ABA-E31EA9012858}" type="slidenum">
               <a:rPr lang="ko-KR" altLang="en-US" smtClean="0"/>
+              <a:pPr/>
               <a:t>9</a:t>
             </a:fld>
             <a:endParaRPr lang="ko-KR" altLang="en-US"/>
@@ -941,6 +948,7 @@
           <a:p>
             <a:fld id="{C740C78A-D000-493D-8ABA-E31EA9012858}" type="slidenum">
               <a:rPr lang="ko-KR" altLang="en-US" smtClean="0"/>
+              <a:pPr/>
               <a:t>10</a:t>
             </a:fld>
             <a:endParaRPr lang="ko-KR" altLang="en-US"/>
@@ -1022,6 +1030,7 @@
           <a:p>
             <a:fld id="{C740C78A-D000-493D-8ABA-E31EA9012858}" type="slidenum">
               <a:rPr lang="ko-KR" altLang="en-US" smtClean="0"/>
+              <a:pPr/>
               <a:t>13</a:t>
             </a:fld>
             <a:endParaRPr lang="ko-KR" altLang="en-US"/>
@@ -1420,7 +1429,8 @@
           <a:p>
             <a:fld id="{08A5A42B-9B00-4DD1-8815-BAF22D8235A3}" type="datetimeFigureOut">
               <a:rPr lang="ko-KR" altLang="en-US" smtClean="0"/>
-              <a:t>2012-06-30</a:t>
+              <a:pPr/>
+              <a:t>2012-07-04</a:t>
             </a:fld>
             <a:endParaRPr lang="ko-KR" altLang="en-US"/>
           </a:p>
@@ -1462,6 +1472,7 @@
           <a:p>
             <a:fld id="{CB4A7C83-FFC7-4F94-9E00-5D3791E95000}" type="slidenum">
               <a:rPr lang="ko-KR" altLang="en-US" smtClean="0"/>
+              <a:pPr/>
               <a:t>‹#›</a:t>
             </a:fld>
             <a:endParaRPr lang="ko-KR" altLang="en-US"/>
@@ -1585,7 +1596,8 @@
           <a:p>
             <a:fld id="{08A5A42B-9B00-4DD1-8815-BAF22D8235A3}" type="datetimeFigureOut">
               <a:rPr lang="ko-KR" altLang="en-US" smtClean="0"/>
-              <a:t>2012-06-30</a:t>
+              <a:pPr/>
+              <a:t>2012-07-04</a:t>
             </a:fld>
             <a:endParaRPr lang="ko-KR" altLang="en-US"/>
           </a:p>
@@ -1627,6 +1639,7 @@
           <a:p>
             <a:fld id="{CB4A7C83-FFC7-4F94-9E00-5D3791E95000}" type="slidenum">
               <a:rPr lang="ko-KR" altLang="en-US" smtClean="0"/>
+              <a:pPr/>
               <a:t>‹#›</a:t>
             </a:fld>
             <a:endParaRPr lang="ko-KR" altLang="en-US"/>
@@ -1760,7 +1773,8 @@
           <a:p>
             <a:fld id="{08A5A42B-9B00-4DD1-8815-BAF22D8235A3}" type="datetimeFigureOut">
               <a:rPr lang="ko-KR" altLang="en-US" smtClean="0"/>
-              <a:t>2012-06-30</a:t>
+              <a:pPr/>
+              <a:t>2012-07-04</a:t>
             </a:fld>
             <a:endParaRPr lang="ko-KR" altLang="en-US"/>
           </a:p>
@@ -1802,6 +1816,7 @@
           <a:p>
             <a:fld id="{CB4A7C83-FFC7-4F94-9E00-5D3791E95000}" type="slidenum">
               <a:rPr lang="ko-KR" altLang="en-US" smtClean="0"/>
+              <a:pPr/>
               <a:t>‹#›</a:t>
             </a:fld>
             <a:endParaRPr lang="ko-KR" altLang="en-US"/>
@@ -1929,7 +1944,8 @@
           <a:p>
             <a:fld id="{08A5A42B-9B00-4DD1-8815-BAF22D8235A3}" type="datetimeFigureOut">
               <a:rPr lang="ko-KR" altLang="en-US" smtClean="0"/>
-              <a:t>2012-06-30</a:t>
+              <a:pPr/>
+              <a:t>2012-07-04</a:t>
             </a:fld>
             <a:endParaRPr lang="ko-KR" altLang="en-US"/>
           </a:p>
@@ -1971,6 +1987,7 @@
           <a:p>
             <a:fld id="{CB4A7C83-FFC7-4F94-9E00-5D3791E95000}" type="slidenum">
               <a:rPr lang="ko-KR" altLang="en-US" smtClean="0"/>
+              <a:pPr/>
               <a:t>‹#›</a:t>
             </a:fld>
             <a:endParaRPr lang="ko-KR" altLang="en-US"/>
@@ -2384,7 +2401,8 @@
           <a:p>
             <a:fld id="{08A5A42B-9B00-4DD1-8815-BAF22D8235A3}" type="datetimeFigureOut">
               <a:rPr lang="ko-KR" altLang="en-US" smtClean="0"/>
-              <a:t>2012-06-30</a:t>
+              <a:pPr/>
+              <a:t>2012-07-04</a:t>
             </a:fld>
             <a:endParaRPr lang="ko-KR" altLang="en-US"/>
           </a:p>
@@ -2426,6 +2444,7 @@
           <a:p>
             <a:fld id="{CB4A7C83-FFC7-4F94-9E00-5D3791E95000}" type="slidenum">
               <a:rPr lang="ko-KR" altLang="en-US" smtClean="0"/>
+              <a:pPr/>
               <a:t>‹#›</a:t>
             </a:fld>
             <a:endParaRPr lang="ko-KR" altLang="en-US"/>
@@ -2648,7 +2667,8 @@
           <a:p>
             <a:fld id="{08A5A42B-9B00-4DD1-8815-BAF22D8235A3}" type="datetimeFigureOut">
               <a:rPr lang="ko-KR" altLang="en-US" smtClean="0"/>
-              <a:t>2012-06-30</a:t>
+              <a:pPr/>
+              <a:t>2012-07-04</a:t>
             </a:fld>
             <a:endParaRPr lang="ko-KR" altLang="en-US"/>
           </a:p>
@@ -2690,6 +2710,7 @@
           <a:p>
             <a:fld id="{CB4A7C83-FFC7-4F94-9E00-5D3791E95000}" type="slidenum">
               <a:rPr lang="ko-KR" altLang="en-US" smtClean="0"/>
+              <a:pPr/>
               <a:t>‹#›</a:t>
             </a:fld>
             <a:endParaRPr lang="ko-KR" altLang="en-US"/>
@@ -3022,7 +3043,8 @@
           <a:p>
             <a:fld id="{08A5A42B-9B00-4DD1-8815-BAF22D8235A3}" type="datetimeFigureOut">
               <a:rPr lang="ko-KR" altLang="en-US" smtClean="0"/>
-              <a:t>2012-06-30</a:t>
+              <a:pPr/>
+              <a:t>2012-07-04</a:t>
             </a:fld>
             <a:endParaRPr lang="ko-KR" altLang="en-US"/>
           </a:p>
@@ -3064,6 +3086,7 @@
           <a:p>
             <a:fld id="{CB4A7C83-FFC7-4F94-9E00-5D3791E95000}" type="slidenum">
               <a:rPr lang="ko-KR" altLang="en-US" smtClean="0"/>
+              <a:pPr/>
               <a:t>‹#›</a:t>
             </a:fld>
             <a:endParaRPr lang="ko-KR" altLang="en-US"/>
@@ -3144,7 +3167,8 @@
           <a:p>
             <a:fld id="{08A5A42B-9B00-4DD1-8815-BAF22D8235A3}" type="datetimeFigureOut">
               <a:rPr lang="ko-KR" altLang="en-US" smtClean="0"/>
-              <a:t>2012-06-30</a:t>
+              <a:pPr/>
+              <a:t>2012-07-04</a:t>
             </a:fld>
             <a:endParaRPr lang="ko-KR" altLang="en-US"/>
           </a:p>
@@ -3167,6 +3191,7 @@
           <a:p>
             <a:fld id="{CB4A7C83-FFC7-4F94-9E00-5D3791E95000}" type="slidenum">
               <a:rPr lang="ko-KR" altLang="en-US" smtClean="0"/>
+              <a:pPr/>
               <a:t>‹#›</a:t>
             </a:fld>
             <a:endParaRPr lang="ko-KR" altLang="en-US"/>
@@ -3234,7 +3259,8 @@
           <a:p>
             <a:fld id="{08A5A42B-9B00-4DD1-8815-BAF22D8235A3}" type="datetimeFigureOut">
               <a:rPr lang="ko-KR" altLang="en-US" smtClean="0"/>
-              <a:t>2012-06-30</a:t>
+              <a:pPr/>
+              <a:t>2012-07-04</a:t>
             </a:fld>
             <a:endParaRPr lang="ko-KR" altLang="en-US"/>
           </a:p>
@@ -3276,6 +3302,7 @@
           <a:p>
             <a:fld id="{CB4A7C83-FFC7-4F94-9E00-5D3791E95000}" type="slidenum">
               <a:rPr lang="ko-KR" altLang="en-US" smtClean="0"/>
+              <a:pPr/>
               <a:t>‹#›</a:t>
             </a:fld>
             <a:endParaRPr lang="ko-KR" altLang="en-US"/>
@@ -3483,7 +3510,8 @@
           <a:p>
             <a:fld id="{08A5A42B-9B00-4DD1-8815-BAF22D8235A3}" type="datetimeFigureOut">
               <a:rPr lang="ko-KR" altLang="en-US" smtClean="0"/>
-              <a:t>2012-06-30</a:t>
+              <a:pPr/>
+              <a:t>2012-07-04</a:t>
             </a:fld>
             <a:endParaRPr lang="ko-KR" altLang="en-US"/>
           </a:p>
@@ -3530,6 +3558,7 @@
           <a:p>
             <a:fld id="{CB4A7C83-FFC7-4F94-9E00-5D3791E95000}" type="slidenum">
               <a:rPr lang="ko-KR" altLang="en-US" smtClean="0"/>
+              <a:pPr/>
               <a:t>‹#›</a:t>
             </a:fld>
             <a:endParaRPr lang="ko-KR" altLang="en-US"/>
@@ -3742,7 +3771,8 @@
           <a:p>
             <a:fld id="{08A5A42B-9B00-4DD1-8815-BAF22D8235A3}" type="datetimeFigureOut">
               <a:rPr lang="ko-KR" altLang="en-US" smtClean="0"/>
-              <a:t>2012-06-30</a:t>
+              <a:pPr/>
+              <a:t>2012-07-04</a:t>
             </a:fld>
             <a:endParaRPr lang="ko-KR" altLang="en-US"/>
           </a:p>
@@ -3784,6 +3814,7 @@
           <a:p>
             <a:fld id="{CB4A7C83-FFC7-4F94-9E00-5D3791E95000}" type="slidenum">
               <a:rPr lang="ko-KR" altLang="en-US" smtClean="0"/>
+              <a:pPr/>
               <a:t>‹#›</a:t>
             </a:fld>
             <a:endParaRPr lang="ko-KR" altLang="en-US"/>
@@ -4146,7 +4177,8 @@
           <a:p>
             <a:fld id="{08A5A42B-9B00-4DD1-8815-BAF22D8235A3}" type="datetimeFigureOut">
               <a:rPr lang="ko-KR" altLang="en-US" smtClean="0"/>
-              <a:t>2012-06-30</a:t>
+              <a:pPr/>
+              <a:t>2012-07-04</a:t>
             </a:fld>
             <a:endParaRPr lang="ko-KR" altLang="en-US"/>
           </a:p>
@@ -4224,6 +4256,7 @@
           <a:p>
             <a:fld id="{CB4A7C83-FFC7-4F94-9E00-5D3791E95000}" type="slidenum">
               <a:rPr lang="ko-KR" altLang="en-US" smtClean="0"/>
+              <a:pPr/>
               <a:t>‹#›</a:t>
             </a:fld>
             <a:endParaRPr lang="ko-KR" altLang="en-US"/>
@@ -6145,11 +6178,7 @@
           <a:p>
             <a:r>
               <a:rPr lang="en-US" altLang="ko-KR" sz="900" dirty="0" smtClean="0"/>
-              <a:t>SC_ROOM_START_VISIBLE </a:t>
-            </a:r>
-            <a:r>
-              <a:rPr lang="en-US" altLang="ko-KR" sz="900" dirty="0" smtClean="0"/>
-              <a:t>/</a:t>
+              <a:t>SC_ROOM_START_VISIBLE /</a:t>
             </a:r>
           </a:p>
           <a:p>
@@ -6896,11 +6925,7 @@
           <a:p>
             <a:r>
               <a:rPr lang="en-US" altLang="ko-KR" sz="900" dirty="0" smtClean="0"/>
-              <a:t>GL_START_FAILD / </a:t>
-            </a:r>
-            <a:r>
-              <a:rPr lang="en-US" altLang="ko-KR" sz="900" dirty="0" smtClean="0"/>
-              <a:t>GL_START_OK</a:t>
+              <a:t>GL_START_FAILD / GL_START_OK</a:t>
             </a:r>
             <a:endParaRPr lang="ko-KR" altLang="en-US" sz="1600" dirty="0"/>
           </a:p>
@@ -11037,7 +11062,11 @@
             </a:r>
             <a:r>
               <a:rPr lang="ko-KR" altLang="en-US" sz="900" dirty="0" smtClean="0"/>
-              <a:t>모든 유저 게임종료</a:t>
+              <a:t>모든 유저 </a:t>
+            </a:r>
+            <a:r>
+              <a:rPr lang="ko-KR" altLang="en-US" sz="900" dirty="0" smtClean="0"/>
+              <a:t>접속종료</a:t>
             </a:r>
             <a:r>
               <a:rPr lang="en-US" altLang="ko-KR" sz="900" dirty="0" smtClean="0"/>
@@ -13590,15 +13619,7 @@
             </a:r>
             <a:r>
               <a:rPr lang="ko-KR" altLang="en-US" dirty="0" smtClean="0"/>
-              <a:t>틀림 </a:t>
-            </a:r>
-            <a:r>
-              <a:rPr lang="ko-KR" altLang="en-US" dirty="0" smtClean="0"/>
-              <a:t>등</a:t>
-            </a:r>
-            <a:r>
-              <a:rPr lang="ko-KR" altLang="en-US" dirty="0" smtClean="0"/>
-              <a:t> </a:t>
+              <a:t>틀림 등 </a:t>
             </a:r>
             <a:r>
               <a:rPr lang="en-US" altLang="ko-KR" dirty="0" smtClean="0"/>
@@ -23822,11 +23843,7 @@
           <a:p>
             <a:r>
               <a:rPr lang="en-US" altLang="ko-KR" sz="900" dirty="0" smtClean="0"/>
-              <a:t>SC_ROOM_START_VISIBLE </a:t>
-            </a:r>
-            <a:r>
-              <a:rPr lang="en-US" altLang="ko-KR" sz="900" dirty="0" smtClean="0"/>
-              <a:t>/</a:t>
+              <a:t>SC_ROOM_START_VISIBLE /</a:t>
             </a:r>
           </a:p>
           <a:p>

--- a/wiki/Min 人 Made_Server.pptx
+++ b/wiki/Min 人 Made_Server.pptx
@@ -205,7 +205,7 @@
             <a:fld id="{4616FEFF-9561-4A75-951E-4E1845C8D0E0}" type="datetimeFigureOut">
               <a:rPr lang="ko-KR" altLang="en-US" smtClean="0"/>
               <a:pPr/>
-              <a:t>2012-07-04</a:t>
+              <a:t>2012-07-09</a:t>
             </a:fld>
             <a:endParaRPr lang="ko-KR" altLang="en-US"/>
           </a:p>
@@ -1430,7 +1430,7 @@
             <a:fld id="{08A5A42B-9B00-4DD1-8815-BAF22D8235A3}" type="datetimeFigureOut">
               <a:rPr lang="ko-KR" altLang="en-US" smtClean="0"/>
               <a:pPr/>
-              <a:t>2012-07-04</a:t>
+              <a:t>2012-07-09</a:t>
             </a:fld>
             <a:endParaRPr lang="ko-KR" altLang="en-US"/>
           </a:p>
@@ -1597,7 +1597,7 @@
             <a:fld id="{08A5A42B-9B00-4DD1-8815-BAF22D8235A3}" type="datetimeFigureOut">
               <a:rPr lang="ko-KR" altLang="en-US" smtClean="0"/>
               <a:pPr/>
-              <a:t>2012-07-04</a:t>
+              <a:t>2012-07-09</a:t>
             </a:fld>
             <a:endParaRPr lang="ko-KR" altLang="en-US"/>
           </a:p>
@@ -1774,7 +1774,7 @@
             <a:fld id="{08A5A42B-9B00-4DD1-8815-BAF22D8235A3}" type="datetimeFigureOut">
               <a:rPr lang="ko-KR" altLang="en-US" smtClean="0"/>
               <a:pPr/>
-              <a:t>2012-07-04</a:t>
+              <a:t>2012-07-09</a:t>
             </a:fld>
             <a:endParaRPr lang="ko-KR" altLang="en-US"/>
           </a:p>
@@ -1945,7 +1945,7 @@
             <a:fld id="{08A5A42B-9B00-4DD1-8815-BAF22D8235A3}" type="datetimeFigureOut">
               <a:rPr lang="ko-KR" altLang="en-US" smtClean="0"/>
               <a:pPr/>
-              <a:t>2012-07-04</a:t>
+              <a:t>2012-07-09</a:t>
             </a:fld>
             <a:endParaRPr lang="ko-KR" altLang="en-US"/>
           </a:p>
@@ -2402,7 +2402,7 @@
             <a:fld id="{08A5A42B-9B00-4DD1-8815-BAF22D8235A3}" type="datetimeFigureOut">
               <a:rPr lang="ko-KR" altLang="en-US" smtClean="0"/>
               <a:pPr/>
-              <a:t>2012-07-04</a:t>
+              <a:t>2012-07-09</a:t>
             </a:fld>
             <a:endParaRPr lang="ko-KR" altLang="en-US"/>
           </a:p>
@@ -2668,7 +2668,7 @@
             <a:fld id="{08A5A42B-9B00-4DD1-8815-BAF22D8235A3}" type="datetimeFigureOut">
               <a:rPr lang="ko-KR" altLang="en-US" smtClean="0"/>
               <a:pPr/>
-              <a:t>2012-07-04</a:t>
+              <a:t>2012-07-09</a:t>
             </a:fld>
             <a:endParaRPr lang="ko-KR" altLang="en-US"/>
           </a:p>
@@ -3044,7 +3044,7 @@
             <a:fld id="{08A5A42B-9B00-4DD1-8815-BAF22D8235A3}" type="datetimeFigureOut">
               <a:rPr lang="ko-KR" altLang="en-US" smtClean="0"/>
               <a:pPr/>
-              <a:t>2012-07-04</a:t>
+              <a:t>2012-07-09</a:t>
             </a:fld>
             <a:endParaRPr lang="ko-KR" altLang="en-US"/>
           </a:p>
@@ -3168,7 +3168,7 @@
             <a:fld id="{08A5A42B-9B00-4DD1-8815-BAF22D8235A3}" type="datetimeFigureOut">
               <a:rPr lang="ko-KR" altLang="en-US" smtClean="0"/>
               <a:pPr/>
-              <a:t>2012-07-04</a:t>
+              <a:t>2012-07-09</a:t>
             </a:fld>
             <a:endParaRPr lang="ko-KR" altLang="en-US"/>
           </a:p>
@@ -3260,7 +3260,7 @@
             <a:fld id="{08A5A42B-9B00-4DD1-8815-BAF22D8235A3}" type="datetimeFigureOut">
               <a:rPr lang="ko-KR" altLang="en-US" smtClean="0"/>
               <a:pPr/>
-              <a:t>2012-07-04</a:t>
+              <a:t>2012-07-09</a:t>
             </a:fld>
             <a:endParaRPr lang="ko-KR" altLang="en-US"/>
           </a:p>
@@ -3511,7 +3511,7 @@
             <a:fld id="{08A5A42B-9B00-4DD1-8815-BAF22D8235A3}" type="datetimeFigureOut">
               <a:rPr lang="ko-KR" altLang="en-US" smtClean="0"/>
               <a:pPr/>
-              <a:t>2012-07-04</a:t>
+              <a:t>2012-07-09</a:t>
             </a:fld>
             <a:endParaRPr lang="ko-KR" altLang="en-US"/>
           </a:p>
@@ -3772,7 +3772,7 @@
             <a:fld id="{08A5A42B-9B00-4DD1-8815-BAF22D8235A3}" type="datetimeFigureOut">
               <a:rPr lang="ko-KR" altLang="en-US" smtClean="0"/>
               <a:pPr/>
-              <a:t>2012-07-04</a:t>
+              <a:t>2012-07-09</a:t>
             </a:fld>
             <a:endParaRPr lang="ko-KR" altLang="en-US"/>
           </a:p>
@@ -4178,7 +4178,7 @@
             <a:fld id="{08A5A42B-9B00-4DD1-8815-BAF22D8235A3}" type="datetimeFigureOut">
               <a:rPr lang="ko-KR" altLang="en-US" smtClean="0"/>
               <a:pPr/>
-              <a:t>2012-07-04</a:t>
+              <a:t>2012-07-09</a:t>
             </a:fld>
             <a:endParaRPr lang="ko-KR" altLang="en-US"/>
           </a:p>
@@ -6882,6 +6882,7 @@
                 <a:lumOff val="40000"/>
               </a:schemeClr>
             </a:solidFill>
+            <a:prstDash val="dash"/>
             <a:headEnd type="arrow" w="med" len="med"/>
             <a:tailEnd type="none" w="med" len="med"/>
           </a:ln>
@@ -11062,11 +11063,7 @@
             </a:r>
             <a:r>
               <a:rPr lang="ko-KR" altLang="en-US" sz="900" dirty="0" smtClean="0"/>
-              <a:t>모든 유저 </a:t>
-            </a:r>
-            <a:r>
-              <a:rPr lang="ko-KR" altLang="en-US" sz="900" dirty="0" smtClean="0"/>
-              <a:t>접속종료</a:t>
+              <a:t>모든 유저 접속종료</a:t>
             </a:r>
             <a:r>
               <a:rPr lang="en-US" altLang="ko-KR" sz="900" dirty="0" smtClean="0"/>

--- a/wiki/Min 人 Made_Server.pptx
+++ b/wiki/Min 人 Made_Server.pptx
@@ -205,7 +205,7 @@
             <a:fld id="{4616FEFF-9561-4A75-951E-4E1845C8D0E0}" type="datetimeFigureOut">
               <a:rPr lang="ko-KR" altLang="en-US" smtClean="0"/>
               <a:pPr/>
-              <a:t>2012-07-09</a:t>
+              <a:t>2012-07-18</a:t>
             </a:fld>
             <a:endParaRPr lang="ko-KR" altLang="en-US"/>
           </a:p>
@@ -1430,7 +1430,7 @@
             <a:fld id="{08A5A42B-9B00-4DD1-8815-BAF22D8235A3}" type="datetimeFigureOut">
               <a:rPr lang="ko-KR" altLang="en-US" smtClean="0"/>
               <a:pPr/>
-              <a:t>2012-07-09</a:t>
+              <a:t>2012-07-18</a:t>
             </a:fld>
             <a:endParaRPr lang="ko-KR" altLang="en-US"/>
           </a:p>
@@ -1597,7 +1597,7 @@
             <a:fld id="{08A5A42B-9B00-4DD1-8815-BAF22D8235A3}" type="datetimeFigureOut">
               <a:rPr lang="ko-KR" altLang="en-US" smtClean="0"/>
               <a:pPr/>
-              <a:t>2012-07-09</a:t>
+              <a:t>2012-07-18</a:t>
             </a:fld>
             <a:endParaRPr lang="ko-KR" altLang="en-US"/>
           </a:p>
@@ -1774,7 +1774,7 @@
             <a:fld id="{08A5A42B-9B00-4DD1-8815-BAF22D8235A3}" type="datetimeFigureOut">
               <a:rPr lang="ko-KR" altLang="en-US" smtClean="0"/>
               <a:pPr/>
-              <a:t>2012-07-09</a:t>
+              <a:t>2012-07-18</a:t>
             </a:fld>
             <a:endParaRPr lang="ko-KR" altLang="en-US"/>
           </a:p>
@@ -1945,7 +1945,7 @@
             <a:fld id="{08A5A42B-9B00-4DD1-8815-BAF22D8235A3}" type="datetimeFigureOut">
               <a:rPr lang="ko-KR" altLang="en-US" smtClean="0"/>
               <a:pPr/>
-              <a:t>2012-07-09</a:t>
+              <a:t>2012-07-18</a:t>
             </a:fld>
             <a:endParaRPr lang="ko-KR" altLang="en-US"/>
           </a:p>
@@ -2402,7 +2402,7 @@
             <a:fld id="{08A5A42B-9B00-4DD1-8815-BAF22D8235A3}" type="datetimeFigureOut">
               <a:rPr lang="ko-KR" altLang="en-US" smtClean="0"/>
               <a:pPr/>
-              <a:t>2012-07-09</a:t>
+              <a:t>2012-07-18</a:t>
             </a:fld>
             <a:endParaRPr lang="ko-KR" altLang="en-US"/>
           </a:p>
@@ -2668,7 +2668,7 @@
             <a:fld id="{08A5A42B-9B00-4DD1-8815-BAF22D8235A3}" type="datetimeFigureOut">
               <a:rPr lang="ko-KR" altLang="en-US" smtClean="0"/>
               <a:pPr/>
-              <a:t>2012-07-09</a:t>
+              <a:t>2012-07-18</a:t>
             </a:fld>
             <a:endParaRPr lang="ko-KR" altLang="en-US"/>
           </a:p>
@@ -3044,7 +3044,7 @@
             <a:fld id="{08A5A42B-9B00-4DD1-8815-BAF22D8235A3}" type="datetimeFigureOut">
               <a:rPr lang="ko-KR" altLang="en-US" smtClean="0"/>
               <a:pPr/>
-              <a:t>2012-07-09</a:t>
+              <a:t>2012-07-18</a:t>
             </a:fld>
             <a:endParaRPr lang="ko-KR" altLang="en-US"/>
           </a:p>
@@ -3168,7 +3168,7 @@
             <a:fld id="{08A5A42B-9B00-4DD1-8815-BAF22D8235A3}" type="datetimeFigureOut">
               <a:rPr lang="ko-KR" altLang="en-US" smtClean="0"/>
               <a:pPr/>
-              <a:t>2012-07-09</a:t>
+              <a:t>2012-07-18</a:t>
             </a:fld>
             <a:endParaRPr lang="ko-KR" altLang="en-US"/>
           </a:p>
@@ -3260,7 +3260,7 @@
             <a:fld id="{08A5A42B-9B00-4DD1-8815-BAF22D8235A3}" type="datetimeFigureOut">
               <a:rPr lang="ko-KR" altLang="en-US" smtClean="0"/>
               <a:pPr/>
-              <a:t>2012-07-09</a:t>
+              <a:t>2012-07-18</a:t>
             </a:fld>
             <a:endParaRPr lang="ko-KR" altLang="en-US"/>
           </a:p>
@@ -3511,7 +3511,7 @@
             <a:fld id="{08A5A42B-9B00-4DD1-8815-BAF22D8235A3}" type="datetimeFigureOut">
               <a:rPr lang="ko-KR" altLang="en-US" smtClean="0"/>
               <a:pPr/>
-              <a:t>2012-07-09</a:t>
+              <a:t>2012-07-18</a:t>
             </a:fld>
             <a:endParaRPr lang="ko-KR" altLang="en-US"/>
           </a:p>
@@ -3772,7 +3772,7 @@
             <a:fld id="{08A5A42B-9B00-4DD1-8815-BAF22D8235A3}" type="datetimeFigureOut">
               <a:rPr lang="ko-KR" altLang="en-US" smtClean="0"/>
               <a:pPr/>
-              <a:t>2012-07-09</a:t>
+              <a:t>2012-07-18</a:t>
             </a:fld>
             <a:endParaRPr lang="ko-KR" altLang="en-US"/>
           </a:p>
@@ -4178,7 +4178,7 @@
             <a:fld id="{08A5A42B-9B00-4DD1-8815-BAF22D8235A3}" type="datetimeFigureOut">
               <a:rPr lang="ko-KR" altLang="en-US" smtClean="0"/>
               <a:pPr/>
-              <a:t>2012-07-09</a:t>
+              <a:t>2012-07-18</a:t>
             </a:fld>
             <a:endParaRPr lang="ko-KR" altLang="en-US"/>
           </a:p>
@@ -5429,7 +5429,7 @@
         </p:nvSpPr>
         <p:spPr>
           <a:xfrm>
-            <a:off x="8239150" y="5286388"/>
+            <a:off x="8215338" y="5286388"/>
             <a:ext cx="119064" cy="642942"/>
           </a:xfrm>
           <a:prstGeom prst="roundRect">
